--- a/Project Artifacts/NETE GSA Agile Sprint Plan.pptx
+++ b/Project Artifacts/NETE GSA Agile Sprint Plan.pptx
@@ -150,7 +150,7 @@
   </p:defaultTextStyle>
   <p:extLst>
     <p:ext uri="{EFAFB233-063F-42B5-8137-9DF3F51BA10A}">
-      <p15:sldGuideLst xmlns:p15="http://schemas.microsoft.com/office/powerpoint/2012/main" xmlns="">
+      <p15:sldGuideLst xmlns:p15="http://schemas.microsoft.com/office/powerpoint/2012/main">
         <p15:guide id="1" orient="horz" pos="1960">
           <p15:clr>
             <a:srgbClr val="A4A3A4"/>
@@ -164,7 +164,7 @@
       </p15:sldGuideLst>
     </p:ext>
     <p:ext uri="{2D200454-40CA-4A62-9FC3-DE9A4176ACB9}">
-      <p15:notesGuideLst xmlns:p15="http://schemas.microsoft.com/office/powerpoint/2012/main" xmlns="">
+      <p15:notesGuideLst xmlns:p15="http://schemas.microsoft.com/office/powerpoint/2012/main">
         <p15:guide id="1" orient="horz" pos="2749">
           <p15:clr>
             <a:srgbClr val="A4A3A4"/>
@@ -278,7 +278,7 @@
               <a:pPr>
                 <a:defRPr/>
               </a:pPr>
-              <a:t>6/23/2015</a:t>
+              <a:t>6/24/2015</a:t>
             </a:fld>
             <a:endParaRPr lang="en-US" dirty="0"/>
           </a:p>
@@ -1362,7 +1362,7 @@
             <a:fld id="{EE5BBF6C-F8F4-4AC9-BA98-49F7A32F3B91}" type="datetimeFigureOut">
               <a:rPr lang="en-US" smtClean="0"/>
               <a:pPr/>
-              <a:t>6/23/2015</a:t>
+              <a:t>6/24/2015</a:t>
             </a:fld>
             <a:endParaRPr lang="en-US"/>
           </a:p>
@@ -1529,7 +1529,7 @@
             <a:fld id="{EE5BBF6C-F8F4-4AC9-BA98-49F7A32F3B91}" type="datetimeFigureOut">
               <a:rPr lang="en-US" smtClean="0"/>
               <a:pPr/>
-              <a:t>6/23/2015</a:t>
+              <a:t>6/24/2015</a:t>
             </a:fld>
             <a:endParaRPr lang="en-US"/>
           </a:p>
@@ -1706,7 +1706,7 @@
             <a:fld id="{EE5BBF6C-F8F4-4AC9-BA98-49F7A32F3B91}" type="datetimeFigureOut">
               <a:rPr lang="en-US" smtClean="0"/>
               <a:pPr/>
-              <a:t>6/23/2015</a:t>
+              <a:t>6/24/2015</a:t>
             </a:fld>
             <a:endParaRPr lang="en-US"/>
           </a:p>
@@ -1991,7 +1991,7 @@
             <a:fld id="{EE5BBF6C-F8F4-4AC9-BA98-49F7A32F3B91}" type="datetimeFigureOut">
               <a:rPr lang="en-US" smtClean="0"/>
               <a:pPr/>
-              <a:t>6/23/2015</a:t>
+              <a:t>6/24/2015</a:t>
             </a:fld>
             <a:endParaRPr lang="en-US"/>
           </a:p>
@@ -2234,7 +2234,7 @@
             <a:fld id="{EE5BBF6C-F8F4-4AC9-BA98-49F7A32F3B91}" type="datetimeFigureOut">
               <a:rPr lang="en-US" smtClean="0"/>
               <a:pPr/>
-              <a:t>6/23/2015</a:t>
+              <a:t>6/24/2015</a:t>
             </a:fld>
             <a:endParaRPr lang="en-US"/>
           </a:p>
@@ -2519,7 +2519,7 @@
             <a:fld id="{EE5BBF6C-F8F4-4AC9-BA98-49F7A32F3B91}" type="datetimeFigureOut">
               <a:rPr lang="en-US" smtClean="0"/>
               <a:pPr/>
-              <a:t>6/23/2015</a:t>
+              <a:t>6/24/2015</a:t>
             </a:fld>
             <a:endParaRPr lang="en-US"/>
           </a:p>
@@ -2943,7 +2943,7 @@
             <a:fld id="{EE5BBF6C-F8F4-4AC9-BA98-49F7A32F3B91}" type="datetimeFigureOut">
               <a:rPr lang="en-US" smtClean="0"/>
               <a:pPr/>
-              <a:t>6/23/2015</a:t>
+              <a:t>6/24/2015</a:t>
             </a:fld>
             <a:endParaRPr lang="en-US"/>
           </a:p>
@@ -3058,7 +3058,7 @@
             <a:fld id="{EE5BBF6C-F8F4-4AC9-BA98-49F7A32F3B91}" type="datetimeFigureOut">
               <a:rPr lang="en-US" smtClean="0"/>
               <a:pPr/>
-              <a:t>6/23/2015</a:t>
+              <a:t>6/24/2015</a:t>
             </a:fld>
             <a:endParaRPr lang="en-US"/>
           </a:p>
@@ -3150,7 +3150,7 @@
             <a:fld id="{EE5BBF6C-F8F4-4AC9-BA98-49F7A32F3B91}" type="datetimeFigureOut">
               <a:rPr lang="en-US" smtClean="0"/>
               <a:pPr/>
-              <a:t>6/23/2015</a:t>
+              <a:t>6/24/2015</a:t>
             </a:fld>
             <a:endParaRPr lang="en-US"/>
           </a:p>
@@ -3424,7 +3424,7 @@
             <a:fld id="{EE5BBF6C-F8F4-4AC9-BA98-49F7A32F3B91}" type="datetimeFigureOut">
               <a:rPr lang="en-US" smtClean="0"/>
               <a:pPr/>
-              <a:t>6/23/2015</a:t>
+              <a:t>6/24/2015</a:t>
             </a:fld>
             <a:endParaRPr lang="en-US"/>
           </a:p>
@@ -3674,7 +3674,7 @@
             <a:fld id="{EE5BBF6C-F8F4-4AC9-BA98-49F7A32F3B91}" type="datetimeFigureOut">
               <a:rPr lang="en-US" smtClean="0"/>
               <a:pPr/>
-              <a:t>6/23/2015</a:t>
+              <a:t>6/24/2015</a:t>
             </a:fld>
             <a:endParaRPr lang="en-US"/>
           </a:p>
@@ -3893,7 +3893,7 @@
             <a:fld id="{EE5BBF6C-F8F4-4AC9-BA98-49F7A32F3B91}" type="datetimeFigureOut">
               <a:rPr lang="en-US" smtClean="0"/>
               <a:pPr/>
-              <a:t>6/23/2015</a:t>
+              <a:t>6/24/2015</a:t>
             </a:fld>
             <a:endParaRPr lang="en-US"/>
           </a:p>
@@ -4653,10 +4653,16 @@
               </a:tabLst>
             </a:pPr>
             <a:r>
-              <a:rPr lang="fi-FI" b="1" i="1" dirty="0" smtClean="0">
+              <a:rPr lang="fi-FI" b="1" i="1" dirty="0">
                 <a:latin typeface="Calibri" charset="0"/>
               </a:rPr>
-              <a:t>6/21/2015 – 6/26/2015 Timelines</a:t>
+              <a:t>6/21/2015 – 6/26/2015 </a:t>
+            </a:r>
+            <a:r>
+              <a:rPr lang="fi-FI" b="1" i="1" dirty="0" err="1" smtClean="0">
+                <a:latin typeface="Calibri" charset="0"/>
+              </a:rPr>
+              <a:t>Timelines</a:t>
             </a:r>
             <a:endParaRPr lang="en-US" b="1" i="1" dirty="0" smtClean="0">
               <a:latin typeface="Calibri" charset="0"/>
@@ -4778,25 +4784,7 @@
                 </a:solidFill>
                 <a:latin typeface="Calibri" charset="0"/>
               </a:rPr>
-              <a:t>JUNE</a:t>
-            </a:r>
-            <a:r>
-              <a:rPr lang="en-US" b="1" i="1" dirty="0" smtClean="0">
-                <a:solidFill>
-                  <a:srgbClr val="004586"/>
-                </a:solidFill>
-                <a:latin typeface="Calibri" charset="0"/>
-              </a:rPr>
-              <a:t> </a:t>
-            </a:r>
-            <a:r>
-              <a:rPr lang="en-US" b="1" i="1" dirty="0" smtClean="0">
-                <a:solidFill>
-                  <a:srgbClr val="004586"/>
-                </a:solidFill>
-                <a:latin typeface="Calibri" charset="0"/>
-              </a:rPr>
-              <a:t>2015</a:t>
+              <a:t>June 2015</a:t>
             </a:r>
             <a:endParaRPr lang="en-US" sz="4000" b="1" dirty="0">
               <a:solidFill>
@@ -6423,7 +6411,7 @@
         <p:spPr>
           <a:xfrm>
             <a:off x="488504" y="764704"/>
-            <a:ext cx="8729860" cy="4419671"/>
+            <a:ext cx="8729860" cy="4665893"/>
           </a:xfrm>
           <a:prstGeom prst="rect">
             <a:avLst/>
@@ -6449,7 +6437,7 @@
               <a:defRPr/>
             </a:pPr>
             <a:r>
-              <a:rPr lang="fi-FI" sz="2000" kern="0" dirty="0">
+              <a:rPr lang="fi-FI" sz="2000" b="1" kern="0" dirty="0">
                 <a:solidFill>
                   <a:srgbClr val="004586"/>
                 </a:solidFill>
@@ -6459,7 +6447,7 @@
               <a:t>6/21/2015 – </a:t>
             </a:r>
             <a:r>
-              <a:rPr lang="fi-FI" sz="2000" kern="0" dirty="0" err="1">
+              <a:rPr lang="fi-FI" sz="2000" b="1" kern="0" dirty="0" err="1">
                 <a:solidFill>
                   <a:srgbClr val="004586"/>
                 </a:solidFill>
@@ -6469,7 +6457,7 @@
               <a:t>KickOff</a:t>
             </a:r>
             <a:r>
-              <a:rPr lang="fi-FI" sz="2000" kern="0" dirty="0">
+              <a:rPr lang="fi-FI" sz="2000" b="1" kern="0" dirty="0">
                 <a:solidFill>
                   <a:srgbClr val="004586"/>
                 </a:solidFill>
@@ -6479,7 +6467,7 @@
               <a:t> </a:t>
             </a:r>
             <a:r>
-              <a:rPr lang="fi-FI" sz="2000" kern="0" dirty="0" err="1">
+              <a:rPr lang="fi-FI" sz="2000" b="1" kern="0" dirty="0" err="1">
                 <a:solidFill>
                   <a:srgbClr val="004586"/>
                 </a:solidFill>
@@ -6488,7 +6476,7 @@
               </a:rPr>
               <a:t>Meeting</a:t>
             </a:r>
-            <a:endParaRPr lang="fi-FI" sz="2000" kern="0" dirty="0">
+            <a:endParaRPr lang="fi-FI" sz="2000" b="1" kern="0" dirty="0">
               <a:solidFill>
                 <a:srgbClr val="004586"/>
               </a:solidFill>
@@ -6512,16 +6500,6 @@
               <a:defRPr/>
             </a:pPr>
             <a:r>
-              <a:rPr lang="fi-FI" sz="1600" kern="0" dirty="0" err="1">
-                <a:solidFill>
-                  <a:srgbClr val="004586"/>
-                </a:solidFill>
-                <a:latin typeface="Calibri" pitchFamily="34" charset="0"/>
-                <a:cs typeface="Calibri" pitchFamily="34" charset="0"/>
-              </a:rPr>
-              <a:t>Identify</a:t>
-            </a:r>
-            <a:r>
               <a:rPr lang="fi-FI" sz="1600" kern="0" dirty="0">
                 <a:solidFill>
                   <a:srgbClr val="004586"/>
@@ -6529,37 +6507,17 @@
                 <a:latin typeface="Calibri" pitchFamily="34" charset="0"/>
                 <a:cs typeface="Calibri" pitchFamily="34" charset="0"/>
               </a:rPr>
-              <a:t> </a:t>
-            </a:r>
-            <a:r>
-              <a:rPr lang="fi-FI" sz="1600" kern="0" dirty="0" err="1">
-                <a:solidFill>
-                  <a:srgbClr val="004586"/>
-                </a:solidFill>
-                <a:latin typeface="Calibri" pitchFamily="34" charset="0"/>
-                <a:cs typeface="Calibri" pitchFamily="34" charset="0"/>
-              </a:rPr>
-              <a:t>Scope</a:t>
-            </a:r>
-            <a:r>
-              <a:rPr lang="fi-FI" sz="1600" kern="0" dirty="0">
-                <a:solidFill>
-                  <a:srgbClr val="004586"/>
-                </a:solidFill>
-                <a:latin typeface="Calibri" pitchFamily="34" charset="0"/>
-                <a:cs typeface="Calibri" pitchFamily="34" charset="0"/>
-              </a:rPr>
-              <a:t> and Data </a:t>
-            </a:r>
-            <a:r>
-              <a:rPr lang="fi-FI" sz="1600" kern="0" dirty="0" err="1">
-                <a:solidFill>
-                  <a:srgbClr val="004586"/>
-                </a:solidFill>
-                <a:latin typeface="Calibri" pitchFamily="34" charset="0"/>
-                <a:cs typeface="Calibri" pitchFamily="34" charset="0"/>
-              </a:rPr>
-              <a:t>Sets</a:t>
+              <a:t>Identify Scope and Data </a:t>
+            </a:r>
+            <a:r>
+              <a:rPr lang="fi-FI" sz="1600" kern="0" dirty="0" smtClean="0">
+                <a:solidFill>
+                  <a:srgbClr val="004586"/>
+                </a:solidFill>
+                <a:latin typeface="Calibri" pitchFamily="34" charset="0"/>
+                <a:cs typeface="Calibri" pitchFamily="34" charset="0"/>
+              </a:rPr>
+              <a:t>Set/s</a:t>
             </a:r>
             <a:endParaRPr lang="fi-FI" sz="1600" kern="0" dirty="0">
               <a:solidFill>
@@ -6648,7 +6606,7 @@
               <a:defRPr/>
             </a:pPr>
             <a:r>
-              <a:rPr lang="en-US" sz="2000" kern="0" dirty="0">
+              <a:rPr lang="en-US" sz="2000" b="1" kern="0" dirty="0">
                 <a:solidFill>
                   <a:srgbClr val="004586"/>
                 </a:solidFill>
@@ -6796,7 +6754,7 @@
               <a:defRPr/>
             </a:pPr>
             <a:r>
-              <a:rPr lang="en-US" sz="2000" kern="0" dirty="0">
+              <a:rPr lang="en-US" sz="2000" b="1" kern="0" dirty="0">
                 <a:solidFill>
                   <a:srgbClr val="004586"/>
                 </a:solidFill>
@@ -7040,7 +6998,7 @@
                 <a:latin typeface="Calibri" pitchFamily="34" charset="0"/>
                 <a:cs typeface="Calibri" pitchFamily="34" charset="0"/>
               </a:rPr>
-              <a:t>Setup the Cloud infrastructure</a:t>
+              <a:t>Setup the Cloud infrastructure and Deploy the tool </a:t>
             </a:r>
           </a:p>
           <a:p>
@@ -7067,6 +7025,32 @@
                 <a:cs typeface="Calibri" pitchFamily="34" charset="0"/>
               </a:rPr>
               <a:t>Interview User Community and incorporate feedback into the Backlog</a:t>
+            </a:r>
+          </a:p>
+          <a:p>
+            <a:pPr indent="-311030" defTabSz="414706" eaLnBrk="0" hangingPunct="0">
+              <a:spcAft>
+                <a:spcPts val="0"/>
+              </a:spcAft>
+              <a:buClr>
+                <a:schemeClr val="bg1">
+                  <a:lumMod val="75000"/>
+                </a:schemeClr>
+              </a:buClr>
+              <a:buSzPct val="100000"/>
+              <a:buFont typeface="Wingdings" pitchFamily="2" charset="2"/>
+              <a:buChar char="§"/>
+              <a:defRPr/>
+            </a:pPr>
+            <a:r>
+              <a:rPr lang="en-US" sz="1600" kern="0" dirty="0" smtClean="0">
+                <a:solidFill>
+                  <a:srgbClr val="004586"/>
+                </a:solidFill>
+                <a:latin typeface="Calibri" pitchFamily="34" charset="0"/>
+                <a:cs typeface="Calibri" pitchFamily="34" charset="0"/>
+              </a:rPr>
+              <a:t>Write Usability Tests</a:t>
             </a:r>
             <a:endParaRPr lang="fi-FI" sz="1600" kern="0" dirty="0" smtClean="0">
               <a:solidFill>
@@ -7315,7 +7299,7 @@
         <p:spPr>
           <a:xfrm>
             <a:off x="488504" y="764704"/>
-            <a:ext cx="8729860" cy="2388346"/>
+            <a:ext cx="8729860" cy="5032147"/>
           </a:xfrm>
           <a:prstGeom prst="rect">
             <a:avLst/>
@@ -7344,7 +7328,7 @@
               <a:defRPr/>
             </a:pPr>
             <a:r>
-              <a:rPr lang="en-US" sz="2000" kern="0" dirty="0" smtClean="0">
+              <a:rPr lang="en-US" sz="2000" b="1" kern="0" dirty="0" smtClean="0">
                 <a:solidFill>
                   <a:srgbClr val="004586"/>
                 </a:solidFill>
@@ -7354,7 +7338,7 @@
               <a:t>6/24/2015 </a:t>
             </a:r>
             <a:r>
-              <a:rPr lang="en-US" sz="2000" kern="0" dirty="0">
+              <a:rPr lang="en-US" sz="2000" b="1" kern="0" dirty="0">
                 <a:solidFill>
                   <a:srgbClr val="004586"/>
                 </a:solidFill>
@@ -7387,7 +7371,17 @@
                 <a:latin typeface="Calibri" pitchFamily="34" charset="0"/>
                 <a:cs typeface="Calibri" pitchFamily="34" charset="0"/>
               </a:rPr>
-              <a:t>Deploy the application into cloud</a:t>
+              <a:t>Setup Continuous </a:t>
+            </a:r>
+            <a:r>
+              <a:rPr lang="en-US" sz="1600" kern="0" dirty="0" smtClean="0">
+                <a:solidFill>
+                  <a:srgbClr val="004586"/>
+                </a:solidFill>
+                <a:latin typeface="Calibri" pitchFamily="34" charset="0"/>
+                <a:cs typeface="Calibri" pitchFamily="34" charset="0"/>
+              </a:rPr>
+              <a:t>monitoring</a:t>
             </a:r>
           </a:p>
           <a:p>
@@ -7413,8 +7407,15 @@
                 <a:latin typeface="Calibri" pitchFamily="34" charset="0"/>
                 <a:cs typeface="Calibri" pitchFamily="34" charset="0"/>
               </a:rPr>
-              <a:t>Setup Continuous monitoring</a:t>
-            </a:r>
+              <a:t>Finish up the use case – Item Details Page </a:t>
+            </a:r>
+            <a:endParaRPr lang="en-US" sz="1600" kern="0" dirty="0" smtClean="0">
+              <a:solidFill>
+                <a:srgbClr val="004586"/>
+              </a:solidFill>
+              <a:latin typeface="Calibri" pitchFamily="34" charset="0"/>
+              <a:cs typeface="Calibri" pitchFamily="34" charset="0"/>
+            </a:endParaRPr>
           </a:p>
           <a:p>
             <a:pPr indent="-311030" defTabSz="414706" eaLnBrk="0" hangingPunct="0">
@@ -7512,7 +7513,7 @@
               <a:defRPr/>
             </a:pPr>
             <a:r>
-              <a:rPr lang="en-US" sz="2000" kern="0" dirty="0">
+              <a:rPr lang="en-US" sz="2000" b="1" kern="0" dirty="0">
                 <a:solidFill>
                   <a:srgbClr val="004586"/>
                 </a:solidFill>
@@ -7574,6 +7575,26 @@
               <a:defRPr/>
             </a:pPr>
             <a:r>
+              <a:rPr lang="en-US" sz="1600" kern="0" dirty="0" err="1">
+                <a:solidFill>
+                  <a:srgbClr val="004586"/>
+                </a:solidFill>
+                <a:latin typeface="Calibri" pitchFamily="34" charset="0"/>
+                <a:cs typeface="Calibri" pitchFamily="34" charset="0"/>
+              </a:rPr>
+              <a:t>GoLive</a:t>
+            </a:r>
+            <a:r>
+              <a:rPr lang="en-US" sz="1600" kern="0" dirty="0">
+                <a:solidFill>
+                  <a:srgbClr val="004586"/>
+                </a:solidFill>
+                <a:latin typeface="Calibri" pitchFamily="34" charset="0"/>
+                <a:cs typeface="Calibri" pitchFamily="34" charset="0"/>
+              </a:rPr>
+              <a:t> with Release </a:t>
+            </a:r>
+            <a:r>
               <a:rPr lang="en-US" sz="1600" kern="0" dirty="0" smtClean="0">
                 <a:solidFill>
                   <a:srgbClr val="004586"/>
@@ -7581,15 +7602,8 @@
                 <a:latin typeface="Calibri" pitchFamily="34" charset="0"/>
                 <a:cs typeface="Calibri" pitchFamily="34" charset="0"/>
               </a:rPr>
-              <a:t>Sprint Retrospective Meeting</a:t>
-            </a:r>
-            <a:endParaRPr lang="en-US" sz="1600" kern="0" dirty="0">
-              <a:solidFill>
-                <a:srgbClr val="004586"/>
-              </a:solidFill>
-              <a:latin typeface="Calibri" pitchFamily="34" charset="0"/>
-              <a:cs typeface="Calibri" pitchFamily="34" charset="0"/>
-            </a:endParaRPr>
+              <a:t>1.0</a:t>
+            </a:r>
           </a:p>
           <a:p>
             <a:pPr indent="-311030" defTabSz="414706" eaLnBrk="0" hangingPunct="0">
@@ -7607,15 +7621,377 @@
               <a:defRPr/>
             </a:pPr>
             <a:r>
-              <a:rPr lang="en-US" sz="1600" kern="0" dirty="0" err="1">
-                <a:solidFill>
-                  <a:srgbClr val="004586"/>
-                </a:solidFill>
-                <a:latin typeface="Calibri" pitchFamily="34" charset="0"/>
-                <a:cs typeface="Calibri" pitchFamily="34" charset="0"/>
-              </a:rPr>
-              <a:t>GoLive</a:t>
-            </a:r>
+              <a:rPr lang="en-US" sz="1600" kern="0" dirty="0" smtClean="0">
+                <a:solidFill>
+                  <a:srgbClr val="004586"/>
+                </a:solidFill>
+                <a:latin typeface="Calibri" pitchFamily="34" charset="0"/>
+                <a:cs typeface="Calibri" pitchFamily="34" charset="0"/>
+              </a:rPr>
+              <a:t>Setup </a:t>
+            </a:r>
+            <a:r>
+              <a:rPr lang="en-US" sz="1600" kern="0" dirty="0" err="1" smtClean="0">
+                <a:solidFill>
+                  <a:srgbClr val="004586"/>
+                </a:solidFill>
+                <a:latin typeface="Calibri" pitchFamily="34" charset="0"/>
+                <a:cs typeface="Calibri" pitchFamily="34" charset="0"/>
+              </a:rPr>
+              <a:t>DataBase</a:t>
+            </a:r>
+            <a:r>
+              <a:rPr lang="en-US" sz="1600" kern="0" dirty="0" smtClean="0">
+                <a:solidFill>
+                  <a:srgbClr val="004586"/>
+                </a:solidFill>
+                <a:latin typeface="Calibri" pitchFamily="34" charset="0"/>
+                <a:cs typeface="Calibri" pitchFamily="34" charset="0"/>
+              </a:rPr>
+              <a:t> for future sprint enhancements</a:t>
+            </a:r>
+            <a:endParaRPr lang="en-US" sz="1600" kern="0" dirty="0">
+              <a:solidFill>
+                <a:srgbClr val="004586"/>
+              </a:solidFill>
+              <a:latin typeface="Calibri" pitchFamily="34" charset="0"/>
+              <a:cs typeface="Calibri" pitchFamily="34" charset="0"/>
+            </a:endParaRPr>
+          </a:p>
+          <a:p>
+            <a:pPr defTabSz="414706" eaLnBrk="0" hangingPunct="0">
+              <a:spcAft>
+                <a:spcPts val="0"/>
+              </a:spcAft>
+              <a:buClr>
+                <a:schemeClr val="bg1">
+                  <a:lumMod val="75000"/>
+                </a:schemeClr>
+              </a:buClr>
+              <a:buSzPct val="100000"/>
+              <a:defRPr/>
+            </a:pPr>
+            <a:r>
+              <a:rPr lang="en-US" sz="2000" b="1" kern="0" dirty="0" smtClean="0">
+                <a:solidFill>
+                  <a:srgbClr val="004586"/>
+                </a:solidFill>
+                <a:latin typeface="Calibri" pitchFamily="34" charset="0"/>
+                <a:cs typeface="Calibri" pitchFamily="34" charset="0"/>
+              </a:rPr>
+              <a:t>Sprint </a:t>
+            </a:r>
+            <a:r>
+              <a:rPr lang="en-US" sz="2000" b="1" kern="0" dirty="0" smtClean="0">
+                <a:solidFill>
+                  <a:srgbClr val="004586"/>
+                </a:solidFill>
+                <a:latin typeface="Calibri" pitchFamily="34" charset="0"/>
+                <a:cs typeface="Calibri" pitchFamily="34" charset="0"/>
+              </a:rPr>
+              <a:t>Retrospective Meeting</a:t>
+            </a:r>
+            <a:endParaRPr lang="en-US" sz="2000" b="1" kern="0" dirty="0">
+              <a:solidFill>
+                <a:srgbClr val="004586"/>
+              </a:solidFill>
+              <a:latin typeface="Calibri" pitchFamily="34" charset="0"/>
+              <a:cs typeface="Calibri" pitchFamily="34" charset="0"/>
+            </a:endParaRPr>
+          </a:p>
+          <a:p>
+            <a:pPr defTabSz="414706" eaLnBrk="0" hangingPunct="0">
+              <a:lnSpc>
+                <a:spcPct val="93000"/>
+              </a:lnSpc>
+              <a:spcAft>
+                <a:spcPts val="0"/>
+              </a:spcAft>
+              <a:buClr>
+                <a:schemeClr val="bg1">
+                  <a:lumMod val="75000"/>
+                </a:schemeClr>
+              </a:buClr>
+              <a:buSzPct val="100000"/>
+              <a:defRPr/>
+            </a:pPr>
+            <a:r>
+              <a:rPr lang="en-US" sz="2000" b="1" kern="0" dirty="0" smtClean="0">
+                <a:solidFill>
+                  <a:srgbClr val="004586"/>
+                </a:solidFill>
+                <a:latin typeface="Calibri" pitchFamily="34" charset="0"/>
+                <a:cs typeface="Calibri" pitchFamily="34" charset="0"/>
+              </a:rPr>
+              <a:t>Sprint 5 (TBD)</a:t>
+            </a:r>
+            <a:endParaRPr lang="en-US" sz="2000" b="1" kern="0" dirty="0">
+              <a:solidFill>
+                <a:srgbClr val="004586"/>
+              </a:solidFill>
+              <a:latin typeface="Calibri" pitchFamily="34" charset="0"/>
+              <a:cs typeface="Calibri" pitchFamily="34" charset="0"/>
+            </a:endParaRPr>
+          </a:p>
+          <a:p>
+            <a:pPr indent="-311030" defTabSz="414706" eaLnBrk="0" hangingPunct="0">
+              <a:spcAft>
+                <a:spcPts val="0"/>
+              </a:spcAft>
+              <a:buClr>
+                <a:schemeClr val="bg1">
+                  <a:lumMod val="75000"/>
+                </a:schemeClr>
+              </a:buClr>
+              <a:buSzPct val="100000"/>
+              <a:buFont typeface="Wingdings" pitchFamily="2" charset="2"/>
+              <a:buChar char="§"/>
+              <a:defRPr/>
+            </a:pPr>
+            <a:r>
+              <a:rPr lang="en-US" sz="1600" kern="0" dirty="0" smtClean="0">
+                <a:solidFill>
+                  <a:srgbClr val="004586"/>
+                </a:solidFill>
+                <a:latin typeface="Calibri" pitchFamily="34" charset="0"/>
+                <a:cs typeface="Calibri" pitchFamily="34" charset="0"/>
+              </a:rPr>
+              <a:t>Develop the use case – User authentication and authorization</a:t>
+            </a:r>
+          </a:p>
+          <a:p>
+            <a:pPr defTabSz="414706" eaLnBrk="0" hangingPunct="0">
+              <a:lnSpc>
+                <a:spcPct val="93000"/>
+              </a:lnSpc>
+              <a:spcAft>
+                <a:spcPts val="0"/>
+              </a:spcAft>
+              <a:buClr>
+                <a:schemeClr val="bg1">
+                  <a:lumMod val="75000"/>
+                </a:schemeClr>
+              </a:buClr>
+              <a:buSzPct val="100000"/>
+              <a:defRPr/>
+            </a:pPr>
+            <a:r>
+              <a:rPr lang="en-US" sz="2000" b="1" kern="0" dirty="0">
+                <a:solidFill>
+                  <a:srgbClr val="004586"/>
+                </a:solidFill>
+                <a:latin typeface="Calibri" pitchFamily="34" charset="0"/>
+                <a:cs typeface="Calibri" pitchFamily="34" charset="0"/>
+              </a:rPr>
+              <a:t>Sprint </a:t>
+            </a:r>
+            <a:r>
+              <a:rPr lang="en-US" sz="2000" b="1" kern="0" dirty="0" smtClean="0">
+                <a:solidFill>
+                  <a:srgbClr val="004586"/>
+                </a:solidFill>
+                <a:latin typeface="Calibri" pitchFamily="34" charset="0"/>
+                <a:cs typeface="Calibri" pitchFamily="34" charset="0"/>
+              </a:rPr>
+              <a:t>6 (TBD)</a:t>
+            </a:r>
+            <a:endParaRPr lang="en-US" sz="2000" b="1" kern="0" dirty="0">
+              <a:solidFill>
+                <a:srgbClr val="004586"/>
+              </a:solidFill>
+              <a:latin typeface="Calibri" pitchFamily="34" charset="0"/>
+              <a:cs typeface="Calibri" pitchFamily="34" charset="0"/>
+            </a:endParaRPr>
+          </a:p>
+          <a:p>
+            <a:pPr indent="-311030" defTabSz="414706" eaLnBrk="0" hangingPunct="0">
+              <a:spcAft>
+                <a:spcPts val="0"/>
+              </a:spcAft>
+              <a:buClr>
+                <a:schemeClr val="bg1">
+                  <a:lumMod val="75000"/>
+                </a:schemeClr>
+              </a:buClr>
+              <a:buSzPct val="100000"/>
+              <a:buFont typeface="Wingdings" pitchFamily="2" charset="2"/>
+              <a:buChar char="§"/>
+              <a:defRPr/>
+            </a:pPr>
+            <a:r>
+              <a:rPr lang="en-US" sz="1600" kern="0" dirty="0">
+                <a:solidFill>
+                  <a:srgbClr val="004586"/>
+                </a:solidFill>
+                <a:latin typeface="Calibri" pitchFamily="34" charset="0"/>
+                <a:cs typeface="Calibri" pitchFamily="34" charset="0"/>
+              </a:rPr>
+              <a:t>Develop the use case – </a:t>
+            </a:r>
+            <a:r>
+              <a:rPr lang="en-US" sz="1600" kern="0" dirty="0" smtClean="0">
+                <a:solidFill>
+                  <a:srgbClr val="004586"/>
+                </a:solidFill>
+                <a:latin typeface="Calibri" pitchFamily="34" charset="0"/>
+                <a:cs typeface="Calibri" pitchFamily="34" charset="0"/>
+              </a:rPr>
+              <a:t>Ability to report an adverse effect </a:t>
+            </a:r>
+            <a:endParaRPr lang="en-US" sz="1600" kern="0" dirty="0">
+              <a:solidFill>
+                <a:srgbClr val="004586"/>
+              </a:solidFill>
+              <a:latin typeface="Calibri" pitchFamily="34" charset="0"/>
+              <a:cs typeface="Calibri" pitchFamily="34" charset="0"/>
+            </a:endParaRPr>
+          </a:p>
+          <a:p>
+            <a:pPr defTabSz="414706" eaLnBrk="0" hangingPunct="0">
+              <a:lnSpc>
+                <a:spcPct val="93000"/>
+              </a:lnSpc>
+              <a:spcAft>
+                <a:spcPts val="0"/>
+              </a:spcAft>
+              <a:buClr>
+                <a:schemeClr val="bg1">
+                  <a:lumMod val="75000"/>
+                </a:schemeClr>
+              </a:buClr>
+              <a:buSzPct val="100000"/>
+              <a:defRPr/>
+            </a:pPr>
+            <a:r>
+              <a:rPr lang="en-US" sz="2000" b="1" kern="0">
+                <a:solidFill>
+                  <a:srgbClr val="004586"/>
+                </a:solidFill>
+                <a:latin typeface="Calibri" pitchFamily="34" charset="0"/>
+                <a:cs typeface="Calibri" pitchFamily="34" charset="0"/>
+              </a:rPr>
+              <a:t>Sprint </a:t>
+            </a:r>
+            <a:r>
+              <a:rPr lang="en-US" sz="2000" b="1" kern="0" smtClean="0">
+                <a:solidFill>
+                  <a:srgbClr val="004586"/>
+                </a:solidFill>
+                <a:latin typeface="Calibri" pitchFamily="34" charset="0"/>
+                <a:cs typeface="Calibri" pitchFamily="34" charset="0"/>
+              </a:rPr>
+              <a:t>7 (TBD)</a:t>
+            </a:r>
+            <a:endParaRPr lang="en-US" sz="2000" b="1" kern="0" dirty="0">
+              <a:solidFill>
+                <a:srgbClr val="004586"/>
+              </a:solidFill>
+              <a:latin typeface="Calibri" pitchFamily="34" charset="0"/>
+              <a:cs typeface="Calibri" pitchFamily="34" charset="0"/>
+            </a:endParaRPr>
+          </a:p>
+          <a:p>
+            <a:pPr indent="-311030" defTabSz="414706" eaLnBrk="0" hangingPunct="0">
+              <a:spcAft>
+                <a:spcPts val="0"/>
+              </a:spcAft>
+              <a:buClr>
+                <a:schemeClr val="bg1">
+                  <a:lumMod val="75000"/>
+                </a:schemeClr>
+              </a:buClr>
+              <a:buSzPct val="100000"/>
+              <a:buFont typeface="Wingdings" pitchFamily="2" charset="2"/>
+              <a:buChar char="§"/>
+              <a:defRPr/>
+            </a:pPr>
+            <a:r>
+              <a:rPr lang="en-US" sz="1600" kern="0" dirty="0">
+                <a:solidFill>
+                  <a:srgbClr val="004586"/>
+                </a:solidFill>
+                <a:latin typeface="Calibri" pitchFamily="34" charset="0"/>
+                <a:cs typeface="Calibri" pitchFamily="34" charset="0"/>
+              </a:rPr>
+              <a:t>Develop the use case – </a:t>
+            </a:r>
+            <a:r>
+              <a:rPr lang="en-US" sz="1600" kern="0" dirty="0" smtClean="0">
+                <a:solidFill>
+                  <a:srgbClr val="004586"/>
+                </a:solidFill>
+                <a:latin typeface="Calibri" pitchFamily="34" charset="0"/>
+                <a:cs typeface="Calibri" pitchFamily="34" charset="0"/>
+              </a:rPr>
+              <a:t>Provide search and filter capabilities</a:t>
+            </a:r>
+            <a:endParaRPr lang="en-US" sz="1600" kern="0" dirty="0">
+              <a:solidFill>
+                <a:srgbClr val="004586"/>
+              </a:solidFill>
+              <a:latin typeface="Calibri" pitchFamily="34" charset="0"/>
+              <a:cs typeface="Calibri" pitchFamily="34" charset="0"/>
+            </a:endParaRPr>
+          </a:p>
+          <a:p>
+            <a:pPr indent="-311030" defTabSz="414706" eaLnBrk="0" hangingPunct="0">
+              <a:spcAft>
+                <a:spcPts val="0"/>
+              </a:spcAft>
+              <a:buClr>
+                <a:schemeClr val="bg1">
+                  <a:lumMod val="75000"/>
+                </a:schemeClr>
+              </a:buClr>
+              <a:buSzPct val="100000"/>
+              <a:buFont typeface="Wingdings" pitchFamily="2" charset="2"/>
+              <a:buChar char="§"/>
+              <a:defRPr/>
+            </a:pPr>
+            <a:endParaRPr lang="en-US" sz="1600" kern="0" dirty="0">
+              <a:solidFill>
+                <a:srgbClr val="004586"/>
+              </a:solidFill>
+              <a:latin typeface="Calibri" pitchFamily="34" charset="0"/>
+              <a:cs typeface="Calibri" pitchFamily="34" charset="0"/>
+            </a:endParaRPr>
+          </a:p>
+          <a:p>
+            <a:pPr defTabSz="414706" eaLnBrk="0" hangingPunct="0">
+              <a:spcAft>
+                <a:spcPts val="0"/>
+              </a:spcAft>
+              <a:buClr>
+                <a:schemeClr val="bg1">
+                  <a:lumMod val="75000"/>
+                </a:schemeClr>
+              </a:buClr>
+              <a:buSzPct val="100000"/>
+              <a:defRPr/>
+            </a:pPr>
+            <a:endParaRPr lang="en-US" sz="1600" kern="0" dirty="0">
+              <a:solidFill>
+                <a:srgbClr val="004586"/>
+              </a:solidFill>
+              <a:latin typeface="Calibri" pitchFamily="34" charset="0"/>
+              <a:cs typeface="Calibri" pitchFamily="34" charset="0"/>
+            </a:endParaRPr>
+          </a:p>
+          <a:p>
+            <a:pPr indent="-311030" defTabSz="414706" eaLnBrk="0" hangingPunct="0">
+              <a:spcAft>
+                <a:spcPts val="0"/>
+              </a:spcAft>
+              <a:buClr>
+                <a:schemeClr val="bg1">
+                  <a:lumMod val="75000"/>
+                </a:schemeClr>
+              </a:buClr>
+              <a:buSzPct val="100000"/>
+              <a:buFont typeface="Wingdings" pitchFamily="2" charset="2"/>
+              <a:buChar char="§"/>
+              <a:defRPr/>
+            </a:pPr>
             <a:endParaRPr lang="en-US" sz="1600" kern="0" dirty="0">
               <a:solidFill>
                 <a:srgbClr val="004586"/>
